--- a/Smart Nose Surgery - Sprint 2 Demo.pptx
+++ b/Smart Nose Surgery - Sprint 2 Demo.pptx
@@ -269,6 +269,11 @@
       </a:defRPr>
     </a:lvl9pPr>
   </p:defaultTextStyle>
+  <p:extLst>
+    <p:ext uri="{EFAFB233-063F-42B5-8137-9DF3F51BA10A}">
+      <p15:sldGuideLst xmlns:p15="http://schemas.microsoft.com/office/powerpoint/2012/main"/>
+    </p:ext>
+  </p:extLst>
 </p:presentation>
 </file>
 
@@ -1117,7 +1122,11 @@
               </a:spcAft>
               <a:buNone/>
             </a:pPr>
-            <a:endParaRPr/>
+            <a:r>
+              <a:rPr lang="en-US" dirty="0"/>
+              <a:t>I’ll talk through points one and two</a:t>
+            </a:r>
+            <a:endParaRPr dirty="0"/>
           </a:p>
         </p:txBody>
       </p:sp>
@@ -1553,7 +1562,11 @@
               </a:spcAft>
               <a:buNone/>
             </a:pPr>
-            <a:endParaRPr/>
+            <a:r>
+              <a:rPr lang="en-US" dirty="0"/>
+              <a:t>Chris and Victoria talk here</a:t>
+            </a:r>
+            <a:endParaRPr dirty="0"/>
           </a:p>
         </p:txBody>
       </p:sp>
@@ -45940,7 +45953,23 @@
                   <a:schemeClr val="bg1"/>
                 </a:solidFill>
               </a:rPr>
-              <a:t>App will extract facial features, calculate golden ratios for width and height</a:t>
+              <a:t>App will extract facial features using </a:t>
+            </a:r>
+            <a:r>
+              <a:rPr lang="en-US" sz="2000" dirty="0" err="1">
+                <a:solidFill>
+                  <a:schemeClr val="bg1"/>
+                </a:solidFill>
+              </a:rPr>
+              <a:t>dlib</a:t>
+            </a:r>
+            <a:r>
+              <a:rPr lang="en-US" sz="2000" dirty="0">
+                <a:solidFill>
+                  <a:schemeClr val="bg1"/>
+                </a:solidFill>
+              </a:rPr>
+              <a:t> library, calculate golden ratios for width and height</a:t>
             </a:r>
           </a:p>
           <a:p>

--- a/Smart Nose Surgery - Sprint 2 Demo.pptx
+++ b/Smart Nose Surgery - Sprint 2 Demo.pptx
@@ -45969,7 +45969,7 @@
                   <a:schemeClr val="bg1"/>
                 </a:solidFill>
               </a:rPr>
-              <a:t> library, calculate golden ratios for width and height</a:t>
+              <a:t> library, calculate facial ratios for width and height</a:t>
             </a:r>
           </a:p>
           <a:p>
@@ -46223,41 +46223,12 @@
             </a:pPr>
             <a:r>
               <a:rPr lang="en-US" dirty="0"/>
-              <a:t>Golden Ratio Calculation</a:t>
+              <a:t>Facial Ratio Calculation</a:t>
             </a:r>
             <a:endParaRPr dirty="0"/>
           </a:p>
         </p:txBody>
       </p:sp>
-      <p:pic>
-        <p:nvPicPr>
-          <p:cNvPr id="4" name="Picture 3">
-            <a:extLst>
-              <a:ext uri="{FF2B5EF4-FFF2-40B4-BE49-F238E27FC236}">
-                <a16:creationId xmlns:a16="http://schemas.microsoft.com/office/drawing/2014/main" id="{8FDF249A-ED1A-471B-AB3C-168418D944B3}"/>
-              </a:ext>
-            </a:extLst>
-          </p:cNvPr>
-          <p:cNvPicPr>
-            <a:picLocks noChangeAspect="1"/>
-          </p:cNvPicPr>
-          <p:nvPr/>
-        </p:nvPicPr>
-        <p:blipFill rotWithShape="1">
-          <a:blip r:embed="rId3"/>
-          <a:srcRect l="16300" t="1" r="14321" b="-550"/>
-          <a:stretch/>
-        </p:blipFill>
-        <p:spPr>
-          <a:xfrm>
-            <a:off x="4572000" y="1242648"/>
-            <a:ext cx="3789783" cy="3245132"/>
-          </a:xfrm>
-          <a:prstGeom prst="rect">
-            <a:avLst/>
-          </a:prstGeom>
-        </p:spPr>
-      </p:pic>
       <p:sp>
         <p:nvSpPr>
           <p:cNvPr id="2" name="TextBox 1">
@@ -46423,6 +46394,36 @@
           </a:p>
         </p:txBody>
       </p:sp>
+      <p:pic>
+        <p:nvPicPr>
+          <p:cNvPr id="3" name="Picture 2">
+            <a:extLst>
+              <a:ext uri="{FF2B5EF4-FFF2-40B4-BE49-F238E27FC236}">
+                <a16:creationId xmlns:a16="http://schemas.microsoft.com/office/drawing/2014/main" id="{8953BD26-7F04-4C09-8836-71E1EB358943}"/>
+              </a:ext>
+            </a:extLst>
+          </p:cNvPr>
+          <p:cNvPicPr>
+            <a:picLocks noChangeAspect="1"/>
+          </p:cNvPicPr>
+          <p:nvPr/>
+        </p:nvPicPr>
+        <p:blipFill>
+          <a:blip r:embed="rId3"/>
+          <a:stretch>
+            <a:fillRect/>
+          </a:stretch>
+        </p:blipFill>
+        <p:spPr>
+          <a:xfrm>
+            <a:off x="4847666" y="1109382"/>
+            <a:ext cx="3120920" cy="3474625"/>
+          </a:xfrm>
+          <a:prstGeom prst="rect">
+            <a:avLst/>
+          </a:prstGeom>
+        </p:spPr>
+      </p:pic>
     </p:spTree>
     <p:extLst>
       <p:ext uri="{BB962C8B-B14F-4D97-AF65-F5344CB8AC3E}">
